--- a/Networked System and Applications/week 16/EENGM0009-2-06-Application Layer-Web and HTTP(1).pptx
+++ b/Networked System and Applications/week 16/EENGM0009-2-06-Application Layer-Web and HTTP(1).pptx
@@ -1199,10 +1199,10 @@
           </a:ln>
           <a:extLst>
             <a:ext uri="{FAA26D3D-D897-4be2-8F04-BA451C77F1D7}">
-              <ma14:placeholderFlag xmlns:ma14="http://schemas.microsoft.com/office/mac/drawingml/2011/main" xmlns="" val="1"/>
+              <ma14:placeholderFlag xmlns="" xmlns:ma14="http://schemas.microsoft.com/office/mac/drawingml/2011/main" val="1"/>
             </a:ext>
             <a:ext uri="{909E8E84-426E-40dd-AFC4-6F175D3DCCD1}">
-              <a14:hiddenFill xmlns="" xmlns:a14="http://schemas.microsoft.com/office/drawing/2010/main">
+              <a14:hiddenFill xmlns:a14="http://schemas.microsoft.com/office/drawing/2010/main" xmlns="">
                 <a:solidFill>
                   <a:srgbClr val="FFFFFF"/>
                 </a:solidFill>
@@ -1578,14 +1578,14 @@
           <a:ln w="9525"/>
           <a:extLst>
             <a:ext uri="{909E8E84-426E-40dd-AFC4-6F175D3DCCD1}">
-              <a14:hiddenFill xmlns="" xmlns:a14="http://schemas.microsoft.com/office/drawing/2010/main">
+              <a14:hiddenFill xmlns:a14="http://schemas.microsoft.com/office/drawing/2010/main" xmlns="">
                 <a:solidFill>
                   <a:srgbClr val="FFFFFF"/>
                 </a:solidFill>
               </a14:hiddenFill>
             </a:ext>
             <a:ext uri="{91240B29-F687-4f45-9708-019B960494DF}">
-              <a14:hiddenLine xmlns="" xmlns:a14="http://schemas.microsoft.com/office/drawing/2010/main" w="9525">
+              <a14:hiddenLine xmlns:a14="http://schemas.microsoft.com/office/drawing/2010/main" xmlns="" w="9525">
                 <a:solidFill>
                   <a:srgbClr val="000000"/>
                 </a:solidFill>
@@ -1753,17 +1753,17 @@
           <a:ln/>
           <a:extLst>
             <a:ext uri="{FAA26D3D-D897-4be2-8F04-BA451C77F1D7}">
-              <ma14:placeholderFlag xmlns:ma14="http://schemas.microsoft.com/office/mac/drawingml/2011/main" xmlns="" val="1"/>
+              <ma14:placeholderFlag xmlns="" xmlns:ma14="http://schemas.microsoft.com/office/mac/drawingml/2011/main" val="1"/>
             </a:ext>
             <a:ext uri="{909E8E84-426E-40dd-AFC4-6F175D3DCCD1}">
-              <a14:hiddenFill xmlns="" xmlns:a14="http://schemas.microsoft.com/office/drawing/2010/main">
+              <a14:hiddenFill xmlns:a14="http://schemas.microsoft.com/office/drawing/2010/main" xmlns="">
                 <a:solidFill>
                   <a:srgbClr val="FFFFFF"/>
                 </a:solidFill>
               </a14:hiddenFill>
             </a:ext>
             <a:ext uri="{91240B29-F687-4f45-9708-019B960494DF}">
-              <a14:hiddenLine xmlns="" xmlns:a14="http://schemas.microsoft.com/office/drawing/2010/main" w="9525">
+              <a14:hiddenLine xmlns:a14="http://schemas.microsoft.com/office/drawing/2010/main" xmlns="" w="9525">
                 <a:solidFill>
                   <a:srgbClr val="000000"/>
                 </a:solidFill>
@@ -1799,14 +1799,14 @@
           <a:ln/>
           <a:extLst>
             <a:ext uri="{909E8E84-426E-40dd-AFC4-6F175D3DCCD1}">
-              <a14:hiddenFill xmlns="" xmlns:a14="http://schemas.microsoft.com/office/drawing/2010/main">
+              <a14:hiddenFill xmlns:a14="http://schemas.microsoft.com/office/drawing/2010/main" xmlns="">
                 <a:solidFill>
                   <a:srgbClr val="FFFFFF"/>
                 </a:solidFill>
               </a14:hiddenFill>
             </a:ext>
             <a:ext uri="{91240B29-F687-4f45-9708-019B960494DF}">
-              <a14:hiddenLine xmlns="" xmlns:a14="http://schemas.microsoft.com/office/drawing/2010/main" w="9525">
+              <a14:hiddenLine xmlns:a14="http://schemas.microsoft.com/office/drawing/2010/main" xmlns="" w="9525">
                 <a:solidFill>
                   <a:srgbClr val="000000"/>
                 </a:solidFill>
@@ -2015,17 +2015,17 @@
           <a:ln/>
           <a:extLst>
             <a:ext uri="{FAA26D3D-D897-4be2-8F04-BA451C77F1D7}">
-              <ma14:placeholderFlag xmlns:ma14="http://schemas.microsoft.com/office/mac/drawingml/2011/main" xmlns="" val="1"/>
+              <ma14:placeholderFlag xmlns="" xmlns:ma14="http://schemas.microsoft.com/office/mac/drawingml/2011/main" val="1"/>
             </a:ext>
             <a:ext uri="{909E8E84-426E-40dd-AFC4-6F175D3DCCD1}">
-              <a14:hiddenFill xmlns="" xmlns:a14="http://schemas.microsoft.com/office/drawing/2010/main">
+              <a14:hiddenFill xmlns:a14="http://schemas.microsoft.com/office/drawing/2010/main" xmlns="">
                 <a:solidFill>
                   <a:srgbClr val="FFFFFF"/>
                 </a:solidFill>
               </a14:hiddenFill>
             </a:ext>
             <a:ext uri="{91240B29-F687-4f45-9708-019B960494DF}">
-              <a14:hiddenLine xmlns="" xmlns:a14="http://schemas.microsoft.com/office/drawing/2010/main" w="9525">
+              <a14:hiddenLine xmlns:a14="http://schemas.microsoft.com/office/drawing/2010/main" xmlns="" w="9525">
                 <a:solidFill>
                   <a:srgbClr val="000000"/>
                 </a:solidFill>
@@ -2061,14 +2061,14 @@
           <a:ln/>
           <a:extLst>
             <a:ext uri="{909E8E84-426E-40dd-AFC4-6F175D3DCCD1}">
-              <a14:hiddenFill xmlns="" xmlns:a14="http://schemas.microsoft.com/office/drawing/2010/main">
+              <a14:hiddenFill xmlns:a14="http://schemas.microsoft.com/office/drawing/2010/main" xmlns="">
                 <a:solidFill>
                   <a:srgbClr val="FFFFFF"/>
                 </a:solidFill>
               </a14:hiddenFill>
             </a:ext>
             <a:ext uri="{91240B29-F687-4f45-9708-019B960494DF}">
-              <a14:hiddenLine xmlns="" xmlns:a14="http://schemas.microsoft.com/office/drawing/2010/main" w="9525">
+              <a14:hiddenLine xmlns:a14="http://schemas.microsoft.com/office/drawing/2010/main" xmlns="" w="9525">
                 <a:solidFill>
                   <a:srgbClr val="000000"/>
                 </a:solidFill>
@@ -2277,17 +2277,17 @@
           <a:ln/>
           <a:extLst>
             <a:ext uri="{FAA26D3D-D897-4be2-8F04-BA451C77F1D7}">
-              <ma14:placeholderFlag xmlns:ma14="http://schemas.microsoft.com/office/mac/drawingml/2011/main" xmlns="" val="1"/>
+              <ma14:placeholderFlag xmlns="" xmlns:ma14="http://schemas.microsoft.com/office/mac/drawingml/2011/main" val="1"/>
             </a:ext>
             <a:ext uri="{909E8E84-426E-40dd-AFC4-6F175D3DCCD1}">
-              <a14:hiddenFill xmlns="" xmlns:a14="http://schemas.microsoft.com/office/drawing/2010/main">
+              <a14:hiddenFill xmlns:a14="http://schemas.microsoft.com/office/drawing/2010/main" xmlns="">
                 <a:solidFill>
                   <a:srgbClr val="FFFFFF"/>
                 </a:solidFill>
               </a14:hiddenFill>
             </a:ext>
             <a:ext uri="{91240B29-F687-4f45-9708-019B960494DF}">
-              <a14:hiddenLine xmlns="" xmlns:a14="http://schemas.microsoft.com/office/drawing/2010/main" w="9525">
+              <a14:hiddenLine xmlns:a14="http://schemas.microsoft.com/office/drawing/2010/main" xmlns="" w="9525">
                 <a:solidFill>
                   <a:srgbClr val="000000"/>
                 </a:solidFill>
@@ -2323,14 +2323,14 @@
           <a:ln/>
           <a:extLst>
             <a:ext uri="{909E8E84-426E-40dd-AFC4-6F175D3DCCD1}">
-              <a14:hiddenFill xmlns="" xmlns:a14="http://schemas.microsoft.com/office/drawing/2010/main">
+              <a14:hiddenFill xmlns:a14="http://schemas.microsoft.com/office/drawing/2010/main" xmlns="">
                 <a:solidFill>
                   <a:srgbClr val="FFFFFF"/>
                 </a:solidFill>
               </a14:hiddenFill>
             </a:ext>
             <a:ext uri="{91240B29-F687-4f45-9708-019B960494DF}">
-              <a14:hiddenLine xmlns="" xmlns:a14="http://schemas.microsoft.com/office/drawing/2010/main" w="9525">
+              <a14:hiddenLine xmlns:a14="http://schemas.microsoft.com/office/drawing/2010/main" xmlns="" w="9525">
                 <a:solidFill>
                   <a:srgbClr val="000000"/>
                 </a:solidFill>
@@ -13439,17 +13439,17 @@
           </a:ln>
           <a:extLst>
             <a:ext uri="{FAA26D3D-D897-4be2-8F04-BA451C77F1D7}">
-              <ma14:placeholderFlag xmlns:ma14="http://schemas.microsoft.com/office/mac/drawingml/2011/main" xmlns="" val="1"/>
+              <ma14:placeholderFlag xmlns="" xmlns:ma14="http://schemas.microsoft.com/office/mac/drawingml/2011/main" val="1"/>
             </a:ext>
             <a:ext uri="{909E8E84-426E-40dd-AFC4-6F175D3DCCD1}">
-              <a14:hiddenFill xmlns="" xmlns:a14="http://schemas.microsoft.com/office/drawing/2010/main">
+              <a14:hiddenFill xmlns:a14="http://schemas.microsoft.com/office/drawing/2010/main" xmlns="">
                 <a:solidFill>
                   <a:srgbClr val="FFFFFF"/>
                 </a:solidFill>
               </a14:hiddenFill>
             </a:ext>
             <a:ext uri="{91240B29-F687-4f45-9708-019B960494DF}">
-              <a14:hiddenLine xmlns="" xmlns:a14="http://schemas.microsoft.com/office/drawing/2010/main" w="9525">
+              <a14:hiddenLine xmlns:a14="http://schemas.microsoft.com/office/drawing/2010/main" xmlns="" w="9525">
                 <a:solidFill>
                   <a:srgbClr val="000000"/>
                 </a:solidFill>
@@ -13500,17 +13500,17 @@
           </a:ln>
           <a:extLst>
             <a:ext uri="{FAA26D3D-D897-4be2-8F04-BA451C77F1D7}">
-              <ma14:placeholderFlag xmlns:ma14="http://schemas.microsoft.com/office/mac/drawingml/2011/main" xmlns="" val="1"/>
+              <ma14:placeholderFlag xmlns="" xmlns:ma14="http://schemas.microsoft.com/office/mac/drawingml/2011/main" val="1"/>
             </a:ext>
             <a:ext uri="{909E8E84-426E-40dd-AFC4-6F175D3DCCD1}">
-              <a14:hiddenFill xmlns="" xmlns:a14="http://schemas.microsoft.com/office/drawing/2010/main">
+              <a14:hiddenFill xmlns:a14="http://schemas.microsoft.com/office/drawing/2010/main" xmlns="">
                 <a:solidFill>
                   <a:srgbClr val="FFFFFF"/>
                 </a:solidFill>
               </a14:hiddenFill>
             </a:ext>
             <a:ext uri="{91240B29-F687-4f45-9708-019B960494DF}">
-              <a14:hiddenLine xmlns="" xmlns:a14="http://schemas.microsoft.com/office/drawing/2010/main" w="9525">
+              <a14:hiddenLine xmlns:a14="http://schemas.microsoft.com/office/drawing/2010/main" xmlns="" w="9525">
                 <a:solidFill>
                   <a:srgbClr val="000000"/>
                 </a:solidFill>
@@ -14185,17 +14185,17 @@
           </a:ln>
           <a:extLst>
             <a:ext uri="{FAA26D3D-D897-4be2-8F04-BA451C77F1D7}">
-              <ma14:placeholderFlag xmlns:ma14="http://schemas.microsoft.com/office/mac/drawingml/2011/main" xmlns="" val="1"/>
+              <ma14:placeholderFlag xmlns="" xmlns:ma14="http://schemas.microsoft.com/office/mac/drawingml/2011/main" val="1"/>
             </a:ext>
             <a:ext uri="{909E8E84-426E-40dd-AFC4-6F175D3DCCD1}">
-              <a14:hiddenFill xmlns="" xmlns:a14="http://schemas.microsoft.com/office/drawing/2010/main">
+              <a14:hiddenFill xmlns:a14="http://schemas.microsoft.com/office/drawing/2010/main" xmlns="">
                 <a:solidFill>
                   <a:srgbClr val="FFFFFF"/>
                 </a:solidFill>
               </a14:hiddenFill>
             </a:ext>
             <a:ext uri="{91240B29-F687-4f45-9708-019B960494DF}">
-              <a14:hiddenLine xmlns="" xmlns:a14="http://schemas.microsoft.com/office/drawing/2010/main" w="9525">
+              <a14:hiddenLine xmlns:a14="http://schemas.microsoft.com/office/drawing/2010/main" xmlns="" w="9525">
                 <a:solidFill>
                   <a:srgbClr val="000000"/>
                 </a:solidFill>
@@ -14246,17 +14246,17 @@
           </a:ln>
           <a:extLst>
             <a:ext uri="{FAA26D3D-D897-4be2-8F04-BA451C77F1D7}">
-              <ma14:placeholderFlag xmlns:ma14="http://schemas.microsoft.com/office/mac/drawingml/2011/main" xmlns="" val="1"/>
+              <ma14:placeholderFlag xmlns="" xmlns:ma14="http://schemas.microsoft.com/office/mac/drawingml/2011/main" val="1"/>
             </a:ext>
             <a:ext uri="{909E8E84-426E-40dd-AFC4-6F175D3DCCD1}">
-              <a14:hiddenFill xmlns="" xmlns:a14="http://schemas.microsoft.com/office/drawing/2010/main">
+              <a14:hiddenFill xmlns:a14="http://schemas.microsoft.com/office/drawing/2010/main" xmlns="">
                 <a:solidFill>
                   <a:srgbClr val="FFFFFF"/>
                 </a:solidFill>
               </a14:hiddenFill>
             </a:ext>
             <a:ext uri="{91240B29-F687-4f45-9708-019B960494DF}">
-              <a14:hiddenLine xmlns="" xmlns:a14="http://schemas.microsoft.com/office/drawing/2010/main" w="9525">
+              <a14:hiddenLine xmlns:a14="http://schemas.microsoft.com/office/drawing/2010/main" xmlns="" w="9525">
                 <a:solidFill>
                   <a:srgbClr val="000000"/>
                 </a:solidFill>
@@ -14945,7 +14945,7 @@
           <a:noFill/>
           <a:extLst>
             <a:ext uri="{909E8E84-426E-40dd-AFC4-6F175D3DCCD1}">
-              <a14:hiddenFill xmlns="" xmlns:a14="http://schemas.microsoft.com/office/drawing/2010/main">
+              <a14:hiddenFill xmlns:a14="http://schemas.microsoft.com/office/drawing/2010/main" xmlns="">
                 <a:solidFill>
                   <a:srgbClr val="FFFFFF"/>
                 </a:solidFill>
@@ -15714,14 +15714,14 @@
           </a:ln>
           <a:extLst>
             <a:ext uri="{909E8E84-426E-40dd-AFC4-6F175D3DCCD1}">
-              <a14:hiddenFill xmlns="" xmlns:a14="http://schemas.microsoft.com/office/drawing/2010/main">
+              <a14:hiddenFill xmlns:a14="http://schemas.microsoft.com/office/drawing/2010/main" xmlns="">
                 <a:solidFill>
                   <a:srgbClr val="FFFFFF"/>
                 </a:solidFill>
               </a14:hiddenFill>
             </a:ext>
             <a:ext uri="{91240B29-F687-4f45-9708-019B960494DF}">
-              <a14:hiddenLine xmlns="" xmlns:a14="http://schemas.microsoft.com/office/drawing/2010/main" w="9525">
+              <a14:hiddenLine xmlns:a14="http://schemas.microsoft.com/office/drawing/2010/main" xmlns="" w="9525">
                 <a:solidFill>
                   <a:srgbClr val="000000"/>
                 </a:solidFill>
@@ -15749,7 +15749,7 @@
               <a:buNone/>
             </a:pPr>
             <a:r>
-              <a:rPr lang="en-US" sz="4400">
+              <a:rPr lang="en-US" sz="4400" dirty="0">
                 <a:solidFill>
                   <a:srgbClr val="000099"/>
                 </a:solidFill>
@@ -15759,7 +15759,7 @@
               <a:t>Chapter 2</a:t>
             </a:r>
             <a:br>
-              <a:rPr lang="en-US" sz="4800">
+              <a:rPr lang="en-US" sz="4800" dirty="0">
                 <a:solidFill>
                   <a:srgbClr val="000099"/>
                 </a:solidFill>
@@ -15768,7 +15768,7 @@
               </a:rPr>
             </a:br>
             <a:r>
-              <a:rPr lang="en-US" sz="4400">
+              <a:rPr lang="en-US" sz="4400" dirty="0">
                 <a:solidFill>
                   <a:srgbClr val="000099"/>
                 </a:solidFill>
@@ -15802,14 +15802,14 @@
           </a:ln>
           <a:extLst>
             <a:ext uri="{909E8E84-426E-40dd-AFC4-6F175D3DCCD1}">
-              <a14:hiddenFill xmlns="" xmlns:a14="http://schemas.microsoft.com/office/drawing/2010/main">
+              <a14:hiddenFill xmlns:a14="http://schemas.microsoft.com/office/drawing/2010/main" xmlns="">
                 <a:solidFill>
                   <a:srgbClr val="FFFFFF"/>
                 </a:solidFill>
               </a14:hiddenFill>
             </a:ext>
             <a:ext uri="{91240B29-F687-4f45-9708-019B960494DF}">
-              <a14:hiddenLine xmlns="" xmlns:a14="http://schemas.microsoft.com/office/drawing/2010/main" w="9525">
+              <a14:hiddenLine xmlns:a14="http://schemas.microsoft.com/office/drawing/2010/main" xmlns="" w="9525">
                 <a:solidFill>
                   <a:srgbClr val="000000"/>
                 </a:solidFill>
@@ -15967,14 +15967,14 @@
           </a:ln>
           <a:extLst>
             <a:ext uri="{909E8E84-426E-40dd-AFC4-6F175D3DCCD1}">
-              <a14:hiddenFill xmlns="" xmlns:a14="http://schemas.microsoft.com/office/drawing/2010/main">
+              <a14:hiddenFill xmlns:a14="http://schemas.microsoft.com/office/drawing/2010/main" xmlns="">
                 <a:solidFill>
                   <a:srgbClr val="FFFFFF"/>
                 </a:solidFill>
               </a14:hiddenFill>
             </a:ext>
             <a:ext uri="{91240B29-F687-4f45-9708-019B960494DF}">
-              <a14:hiddenLine xmlns="" xmlns:a14="http://schemas.microsoft.com/office/drawing/2010/main" w="9525">
+              <a14:hiddenLine xmlns:a14="http://schemas.microsoft.com/office/drawing/2010/main" xmlns="" w="9525">
                 <a:solidFill>
                   <a:srgbClr val="000000"/>
                 </a:solidFill>
@@ -16128,7 +16128,7 @@
               <a:buNone/>
             </a:pPr>
             <a:r>
-              <a:rPr lang="en-US" sz="1800">
+              <a:rPr lang="en-US" sz="1800" dirty="0">
                 <a:solidFill>
                   <a:srgbClr val="000000"/>
                 </a:solidFill>
@@ -16148,7 +16148,7 @@
               <a:buNone/>
             </a:pPr>
             <a:r>
-              <a:rPr lang="en-US" sz="1200">
+              <a:rPr lang="en-US" sz="1200" dirty="0">
                 <a:solidFill>
                   <a:srgbClr val="000000"/>
                 </a:solidFill>
@@ -16166,7 +16166,7 @@
               <a:t>’</a:t>
             </a:r>
             <a:r>
-              <a:rPr lang="en-US" altLang="ja-JP" sz="1200">
+              <a:rPr lang="en-US" altLang="ja-JP" sz="1200" dirty="0">
                 <a:solidFill>
                   <a:srgbClr val="000000"/>
                 </a:solidFill>
@@ -16184,7 +16184,7 @@
               <a:t>’</a:t>
             </a:r>
             <a:r>
-              <a:rPr lang="en-US" altLang="ja-JP" sz="1200">
+              <a:rPr lang="en-US" altLang="ja-JP" sz="1200" dirty="0">
                 <a:solidFill>
                   <a:srgbClr val="000000"/>
                 </a:solidFill>
@@ -16193,7 +16193,7 @@
               <a:t>re in PowerPoint form so you see the animations; and can add, modify, and delete slides  (including this one) and slide content to suit your needs. They obviously represent a </a:t>
             </a:r>
             <a:r>
-              <a:rPr lang="en-US" altLang="ja-JP" sz="1200" i="1">
+              <a:rPr lang="en-US" altLang="ja-JP" sz="1200" i="1" dirty="0">
                 <a:solidFill>
                   <a:srgbClr val="000000"/>
                 </a:solidFill>
@@ -16202,7 +16202,7 @@
               <a:t>lot</a:t>
             </a:r>
             <a:r>
-              <a:rPr lang="en-US" altLang="ja-JP" sz="1200">
+              <a:rPr lang="en-US" altLang="ja-JP" sz="1200" dirty="0">
                 <a:solidFill>
                   <a:srgbClr val="000000"/>
                 </a:solidFill>
@@ -16224,7 +16224,7 @@
               <a:buFontTx/>
               <a:buNone/>
             </a:pPr>
-            <a:endParaRPr lang="en-US" sz="1400">
+            <a:endParaRPr lang="en-US" sz="1400" dirty="0">
               <a:solidFill>
                 <a:srgbClr val="000000"/>
               </a:solidFill>
@@ -16255,14 +16255,14 @@
           </a:ln>
           <a:extLst>
             <a:ext uri="{909E8E84-426E-40dd-AFC4-6F175D3DCCD1}">
-              <a14:hiddenFill xmlns="" xmlns:a14="http://schemas.microsoft.com/office/drawing/2010/main">
+              <a14:hiddenFill xmlns:a14="http://schemas.microsoft.com/office/drawing/2010/main" xmlns="">
                 <a:solidFill>
                   <a:srgbClr val="FFFFFF"/>
                 </a:solidFill>
               </a14:hiddenFill>
             </a:ext>
             <a:ext uri="{91240B29-F687-4f45-9708-019B960494DF}">
-              <a14:hiddenLine xmlns="" xmlns:a14="http://schemas.microsoft.com/office/drawing/2010/main" w="9525">
+              <a14:hiddenLine xmlns:a14="http://schemas.microsoft.com/office/drawing/2010/main" xmlns="" w="9525">
                 <a:solidFill>
                   <a:srgbClr val="000000"/>
                 </a:solidFill>
@@ -16418,7 +16418,7 @@
               <a:buFontTx/>
               <a:buNone/>
             </a:pPr>
-            <a:endParaRPr lang="en-US" sz="1400">
+            <a:endParaRPr lang="en-US" sz="1400" dirty="0">
               <a:solidFill>
                 <a:srgbClr val="000000"/>
               </a:solidFill>
@@ -16439,7 +16439,7 @@
               <a:buChar char="v"/>
             </a:pPr>
             <a:r>
-              <a:rPr lang="en-US" sz="1200">
+              <a:rPr lang="en-US" sz="1200" dirty="0">
                 <a:solidFill>
                   <a:srgbClr val="000000"/>
                 </a:solidFill>
@@ -16457,7 +16457,7 @@
               <a:t>’</a:t>
             </a:r>
             <a:r>
-              <a:rPr lang="en-US" altLang="ja-JP" sz="1200">
+              <a:rPr lang="en-US" altLang="ja-JP" sz="1200" dirty="0">
                 <a:solidFill>
                   <a:srgbClr val="000000"/>
                 </a:solidFill>
@@ -16479,7 +16479,7 @@
               <a:buChar char="v"/>
             </a:pPr>
             <a:r>
-              <a:rPr lang="en-US" sz="1200">
+              <a:rPr lang="en-US" sz="1200" dirty="0">
                 <a:solidFill>
                   <a:srgbClr val="000000"/>
                 </a:solidFill>
@@ -16500,7 +16500,7 @@
               <a:buFont typeface="Wingdings" charset="0"/>
               <a:buChar char="q"/>
             </a:pPr>
-            <a:endParaRPr lang="en-US" sz="1200">
+            <a:endParaRPr lang="en-US" sz="1200" dirty="0">
               <a:solidFill>
                 <a:srgbClr val="000000"/>
               </a:solidFill>
@@ -16523,7 +16523,7 @@
               <a:buNone/>
             </a:pPr>
             <a:r>
-              <a:rPr lang="en-US" sz="1200">
+              <a:rPr lang="en-US" sz="1200" dirty="0">
                 <a:solidFill>
                   <a:srgbClr val="000000"/>
                 </a:solidFill>
@@ -16545,7 +16545,7 @@
               <a:buFontTx/>
               <a:buNone/>
             </a:pPr>
-            <a:endParaRPr lang="en-US" sz="1200">
+            <a:endParaRPr lang="en-US" sz="1200" dirty="0">
               <a:solidFill>
                 <a:srgbClr val="000000"/>
               </a:solidFill>
@@ -16566,7 +16566,7 @@
               <a:buNone/>
             </a:pPr>
             <a:r>
-              <a:rPr lang="en-US" sz="1200">
+              <a:rPr lang="en-US" sz="1200" dirty="0">
                 <a:solidFill>
                   <a:srgbClr val="000000"/>
                 </a:solidFill>
@@ -16589,7 +16589,7 @@
               <a:buNone/>
             </a:pPr>
             <a:r>
-              <a:rPr lang="en-US" sz="1200">
+              <a:rPr lang="en-US" sz="1200" dirty="0">
                 <a:solidFill>
                   <a:srgbClr val="000000"/>
                 </a:solidFill>
@@ -16635,14 +16635,14 @@
           </a:ln>
           <a:extLst>
             <a:ext uri="{909E8E84-426E-40dd-AFC4-6F175D3DCCD1}">
-              <a14:hiddenFill xmlns="" xmlns:a14="http://schemas.microsoft.com/office/drawing/2010/main">
+              <a14:hiddenFill xmlns:a14="http://schemas.microsoft.com/office/drawing/2010/main" xmlns="">
                 <a:solidFill>
                   <a:srgbClr val="FFFFFF"/>
                 </a:solidFill>
               </a14:hiddenFill>
             </a:ext>
             <a:ext uri="{91240B29-F687-4f45-9708-019B960494DF}">
-              <a14:hiddenLine xmlns="" xmlns:a14="http://schemas.microsoft.com/office/drawing/2010/main" w="9525">
+              <a14:hiddenLine xmlns:a14="http://schemas.microsoft.com/office/drawing/2010/main" xmlns="" w="9525">
                 <a:solidFill>
                   <a:srgbClr val="000000"/>
                 </a:solidFill>
@@ -16689,14 +16689,14 @@
           </a:ln>
           <a:extLst>
             <a:ext uri="{909E8E84-426E-40dd-AFC4-6F175D3DCCD1}">
-              <a14:hiddenFill xmlns="" xmlns:a14="http://schemas.microsoft.com/office/drawing/2010/main">
+              <a14:hiddenFill xmlns:a14="http://schemas.microsoft.com/office/drawing/2010/main" xmlns="">
                 <a:solidFill>
                   <a:srgbClr val="FFFFFF"/>
                 </a:solidFill>
               </a14:hiddenFill>
             </a:ext>
             <a:ext uri="{91240B29-F687-4f45-9708-019B960494DF}">
-              <a14:hiddenLine xmlns="" xmlns:a14="http://schemas.microsoft.com/office/drawing/2010/main" w="9525">
+              <a14:hiddenLine xmlns:a14="http://schemas.microsoft.com/office/drawing/2010/main" xmlns="" w="9525">
                 <a:solidFill>
                   <a:srgbClr val="000000"/>
                 </a:solidFill>
@@ -16743,14 +16743,14 @@
           </a:ln>
           <a:extLst>
             <a:ext uri="{909E8E84-426E-40dd-AFC4-6F175D3DCCD1}">
-              <a14:hiddenFill xmlns="" xmlns:a14="http://schemas.microsoft.com/office/drawing/2010/main">
+              <a14:hiddenFill xmlns:a14="http://schemas.microsoft.com/office/drawing/2010/main" xmlns="">
                 <a:solidFill>
                   <a:srgbClr val="FFFFFF"/>
                 </a:solidFill>
               </a14:hiddenFill>
             </a:ext>
             <a:ext uri="{91240B29-F687-4f45-9708-019B960494DF}">
-              <a14:hiddenLine xmlns="" xmlns:a14="http://schemas.microsoft.com/office/drawing/2010/main" w="9525">
+              <a14:hiddenLine xmlns:a14="http://schemas.microsoft.com/office/drawing/2010/main" xmlns="" w="9525">
                 <a:solidFill>
                   <a:srgbClr val="000000"/>
                 </a:solidFill>
@@ -16922,7 +16922,7 @@
           <a:lstStyle/>
           <a:p>
             <a:r>
-              <a:rPr lang="en-US">
+              <a:rPr lang="en-US" dirty="0">
                 <a:latin typeface="Gill Sans MT" charset="0"/>
               </a:rPr>
               <a:t>Web and HTTP</a:t>
@@ -17099,14 +17099,14 @@
             </a:ln>
             <a:extLst>
               <a:ext uri="{909E8E84-426E-40dd-AFC4-6F175D3DCCD1}">
-                <a14:hiddenFill xmlns="" xmlns:a14="http://schemas.microsoft.com/office/drawing/2010/main">
+                <a14:hiddenFill xmlns:a14="http://schemas.microsoft.com/office/drawing/2010/main" xmlns="">
                   <a:solidFill>
                     <a:srgbClr val="FFFFFF"/>
                   </a:solidFill>
                 </a14:hiddenFill>
               </a:ext>
               <a:ext uri="{91240B29-F687-4f45-9708-019B960494DF}">
-                <a14:hiddenLine xmlns="" xmlns:a14="http://schemas.microsoft.com/office/drawing/2010/main" w="9525">
+                <a14:hiddenLine xmlns:a14="http://schemas.microsoft.com/office/drawing/2010/main" xmlns="" w="9525">
                   <a:solidFill>
                     <a:srgbClr val="000000"/>
                   </a:solidFill>
@@ -17325,7 +17325,7 @@
             </a:ln>
             <a:extLst>
               <a:ext uri="{909E8E84-426E-40dd-AFC4-6F175D3DCCD1}">
-                <a14:hiddenFill xmlns="" xmlns:a14="http://schemas.microsoft.com/office/drawing/2010/main">
+                <a14:hiddenFill xmlns:a14="http://schemas.microsoft.com/office/drawing/2010/main" xmlns="">
                   <a:solidFill>
                     <a:srgbClr val="FFFFFF"/>
                   </a:solidFill>
@@ -17373,7 +17373,7 @@
             </a:ln>
             <a:extLst>
               <a:ext uri="{909E8E84-426E-40dd-AFC4-6F175D3DCCD1}">
-                <a14:hiddenFill xmlns="" xmlns:a14="http://schemas.microsoft.com/office/drawing/2010/main">
+                <a14:hiddenFill xmlns:a14="http://schemas.microsoft.com/office/drawing/2010/main" xmlns="">
                   <a:solidFill>
                     <a:srgbClr val="FFFFFF"/>
                   </a:solidFill>
@@ -17413,14 +17413,14 @@
             </a:ln>
             <a:extLst>
               <a:ext uri="{909E8E84-426E-40dd-AFC4-6F175D3DCCD1}">
-                <a14:hiddenFill xmlns="" xmlns:a14="http://schemas.microsoft.com/office/drawing/2010/main">
+                <a14:hiddenFill xmlns:a14="http://schemas.microsoft.com/office/drawing/2010/main" xmlns="">
                   <a:solidFill>
                     <a:srgbClr val="FFFFFF"/>
                   </a:solidFill>
                 </a14:hiddenFill>
               </a:ext>
               <a:ext uri="{91240B29-F687-4f45-9708-019B960494DF}">
-                <a14:hiddenLine xmlns="" xmlns:a14="http://schemas.microsoft.com/office/drawing/2010/main" w="9525">
+                <a14:hiddenLine xmlns:a14="http://schemas.microsoft.com/office/drawing/2010/main" xmlns="" w="9525">
                   <a:solidFill>
                     <a:srgbClr val="000000"/>
                   </a:solidFill>
@@ -17602,14 +17602,14 @@
             </a:ln>
             <a:extLst>
               <a:ext uri="{909E8E84-426E-40dd-AFC4-6F175D3DCCD1}">
-                <a14:hiddenFill xmlns="" xmlns:a14="http://schemas.microsoft.com/office/drawing/2010/main">
+                <a14:hiddenFill xmlns:a14="http://schemas.microsoft.com/office/drawing/2010/main" xmlns="">
                   <a:solidFill>
                     <a:srgbClr val="FFFFFF"/>
                   </a:solidFill>
                 </a14:hiddenFill>
               </a:ext>
               <a:ext uri="{91240B29-F687-4f45-9708-019B960494DF}">
-                <a14:hiddenLine xmlns="" xmlns:a14="http://schemas.microsoft.com/office/drawing/2010/main" w="9525">
+                <a14:hiddenLine xmlns:a14="http://schemas.microsoft.com/office/drawing/2010/main" xmlns="" w="9525">
                   <a:solidFill>
                     <a:srgbClr val="000000"/>
                   </a:solidFill>
@@ -17815,14 +17815,14 @@
           </a:ln>
           <a:extLst>
             <a:ext uri="{909E8E84-426E-40dd-AFC4-6F175D3DCCD1}">
-              <a14:hiddenFill xmlns="" xmlns:a14="http://schemas.microsoft.com/office/drawing/2010/main">
+              <a14:hiddenFill xmlns:a14="http://schemas.microsoft.com/office/drawing/2010/main" xmlns="">
                 <a:solidFill>
                   <a:srgbClr val="FFFFFF"/>
                 </a:solidFill>
               </a14:hiddenFill>
             </a:ext>
             <a:ext uri="{91240B29-F687-4f45-9708-019B960494DF}">
-              <a14:hiddenLine xmlns="" xmlns:a14="http://schemas.microsoft.com/office/drawing/2010/main" w="9525">
+              <a14:hiddenLine xmlns:a14="http://schemas.microsoft.com/office/drawing/2010/main" xmlns="" w="9525">
                 <a:solidFill>
                   <a:srgbClr val="000000"/>
                 </a:solidFill>
@@ -17994,12 +17994,12 @@
           <a:lstStyle/>
           <a:p>
             <a:r>
-              <a:rPr lang="en-US" sz="4000">
+              <a:rPr lang="en-US" sz="4000" dirty="0">
                 <a:latin typeface="Gill Sans MT" charset="0"/>
               </a:rPr>
               <a:t>HTTP overview</a:t>
             </a:r>
-            <a:endParaRPr lang="en-US">
+            <a:endParaRPr lang="en-US" dirty="0">
               <a:latin typeface="Gill Sans MT" charset="0"/>
             </a:endParaRPr>
           </a:p>
@@ -18033,7 +18033,7 @@
               <a:buNone/>
             </a:pPr>
             <a:r>
-              <a:rPr lang="en-US">
+              <a:rPr lang="en-US" dirty="0">
                 <a:solidFill>
                   <a:srgbClr val="CC0000"/>
                 </a:solidFill>
@@ -18049,7 +18049,7 @@
               </a:lnSpc>
             </a:pPr>
             <a:r>
-              <a:rPr lang="en-US" sz="2400">
+              <a:rPr lang="en-US" sz="2400" dirty="0">
                 <a:latin typeface="Gill Sans MT" charset="0"/>
               </a:rPr>
               <a:t>Web</a:t>
@@ -18061,7 +18061,7 @@
               <a:t>’</a:t>
             </a:r>
             <a:r>
-              <a:rPr lang="en-US" altLang="ja-JP" sz="2400">
+              <a:rPr lang="en-US" altLang="ja-JP" sz="2400" dirty="0">
                 <a:latin typeface="Gill Sans MT" charset="0"/>
               </a:rPr>
               <a:t>s application layer protocol</a:t>
@@ -18074,7 +18074,7 @@
               </a:lnSpc>
             </a:pPr>
             <a:r>
-              <a:rPr lang="en-US" sz="2400">
+              <a:rPr lang="en-US" sz="2400" dirty="0">
                 <a:latin typeface="Gill Sans MT" charset="0"/>
               </a:rPr>
               <a:t>client/server model</a:t>
@@ -18087,7 +18087,7 @@
               </a:lnSpc>
             </a:pPr>
             <a:r>
-              <a:rPr lang="en-US" i="1">
+              <a:rPr lang="en-US" i="1" dirty="0">
                 <a:solidFill>
                   <a:srgbClr val="CC0000"/>
                 </a:solidFill>
@@ -18096,7 +18096,7 @@
               <a:t>client</a:t>
             </a:r>
             <a:r>
-              <a:rPr lang="en-US" i="1">
+              <a:rPr lang="en-US" i="1" dirty="0">
                 <a:solidFill>
                   <a:srgbClr val="FF0000"/>
                 </a:solidFill>
@@ -18105,7 +18105,7 @@
               <a:t>:</a:t>
             </a:r>
             <a:r>
-              <a:rPr lang="en-US">
+              <a:rPr lang="en-US" dirty="0">
                 <a:latin typeface="Gill Sans MT" charset="0"/>
               </a:rPr>
               <a:t> browser that requests, receives, (using HTTP protocol) and </a:t>
@@ -18117,7 +18117,7 @@
               <a:t>“</a:t>
             </a:r>
             <a:r>
-              <a:rPr lang="en-US" altLang="ja-JP">
+              <a:rPr lang="en-US" altLang="ja-JP" dirty="0">
                 <a:latin typeface="Gill Sans MT" charset="0"/>
               </a:rPr>
               <a:t>displays</a:t>
@@ -18129,7 +18129,7 @@
               <a:t>”</a:t>
             </a:r>
             <a:r>
-              <a:rPr lang="en-US" altLang="ja-JP">
+              <a:rPr lang="en-US" altLang="ja-JP" dirty="0">
                 <a:latin typeface="Gill Sans MT" charset="0"/>
               </a:rPr>
               <a:t> Web objects </a:t>
@@ -18142,7 +18142,7 @@
               </a:lnSpc>
             </a:pPr>
             <a:r>
-              <a:rPr lang="en-US" i="1">
+              <a:rPr lang="en-US" i="1" dirty="0">
                 <a:solidFill>
                   <a:srgbClr val="CC0000"/>
                 </a:solidFill>
@@ -18151,7 +18151,7 @@
               <a:t>server:</a:t>
             </a:r>
             <a:r>
-              <a:rPr lang="en-US">
+              <a:rPr lang="en-US" dirty="0">
                 <a:latin typeface="Gill Sans MT" charset="0"/>
               </a:rPr>
               <a:t> Web server sends (using HTTP protocol) objects in response to requests</a:t>
@@ -18165,7 +18165,7 @@
               <a:buFont typeface="Wingdings" charset="0"/>
               <a:buNone/>
             </a:pPr>
-            <a:endParaRPr lang="en-US" sz="2400">
+            <a:endParaRPr lang="en-US" sz="2400" dirty="0">
               <a:latin typeface="Gill Sans MT" charset="0"/>
             </a:endParaRPr>
           </a:p>
@@ -18193,14 +18193,14 @@
           </a:ln>
           <a:extLst>
             <a:ext uri="{909E8E84-426E-40dd-AFC4-6F175D3DCCD1}">
-              <a14:hiddenFill xmlns="" xmlns:a14="http://schemas.microsoft.com/office/drawing/2010/main">
+              <a14:hiddenFill xmlns:a14="http://schemas.microsoft.com/office/drawing/2010/main" xmlns="">
                 <a:solidFill>
                   <a:srgbClr val="FFFFFF"/>
                 </a:solidFill>
               </a14:hiddenFill>
             </a:ext>
             <a:ext uri="{91240B29-F687-4f45-9708-019B960494DF}">
-              <a14:hiddenLine xmlns="" xmlns:a14="http://schemas.microsoft.com/office/drawing/2010/main" w="9525">
+              <a14:hiddenLine xmlns:a14="http://schemas.microsoft.com/office/drawing/2010/main" xmlns="" w="9525">
                 <a:solidFill>
                   <a:srgbClr val="000000"/>
                 </a:solidFill>
@@ -18398,14 +18398,14 @@
           </a:ln>
           <a:extLst>
             <a:ext uri="{909E8E84-426E-40dd-AFC4-6F175D3DCCD1}">
-              <a14:hiddenFill xmlns="" xmlns:a14="http://schemas.microsoft.com/office/drawing/2010/main">
+              <a14:hiddenFill xmlns:a14="http://schemas.microsoft.com/office/drawing/2010/main" xmlns="">
                 <a:solidFill>
                   <a:srgbClr val="FFFFFF"/>
                 </a:solidFill>
               </a14:hiddenFill>
             </a:ext>
             <a:ext uri="{91240B29-F687-4f45-9708-019B960494DF}">
-              <a14:hiddenLine xmlns="" xmlns:a14="http://schemas.microsoft.com/office/drawing/2010/main" w="9525">
+              <a14:hiddenLine xmlns:a14="http://schemas.microsoft.com/office/drawing/2010/main" xmlns="" w="9525">
                 <a:solidFill>
                   <a:srgbClr val="000000"/>
                 </a:solidFill>
@@ -18633,14 +18633,14 @@
           </a:ln>
           <a:extLst>
             <a:ext uri="{909E8E84-426E-40dd-AFC4-6F175D3DCCD1}">
-              <a14:hiddenFill xmlns="" xmlns:a14="http://schemas.microsoft.com/office/drawing/2010/main">
+              <a14:hiddenFill xmlns:a14="http://schemas.microsoft.com/office/drawing/2010/main" xmlns="">
                 <a:solidFill>
                   <a:srgbClr val="FFFFFF"/>
                 </a:solidFill>
               </a14:hiddenFill>
             </a:ext>
             <a:ext uri="{91240B29-F687-4f45-9708-019B960494DF}">
-              <a14:hiddenLine xmlns="" xmlns:a14="http://schemas.microsoft.com/office/drawing/2010/main" w="9525">
+              <a14:hiddenLine xmlns:a14="http://schemas.microsoft.com/office/drawing/2010/main" xmlns="" w="9525">
                 <a:solidFill>
                   <a:srgbClr val="000000"/>
                 </a:solidFill>
@@ -18859,7 +18859,7 @@
             </a:ln>
             <a:extLst>
               <a:ext uri="{909E8E84-426E-40dd-AFC4-6F175D3DCCD1}">
-                <a14:hiddenFill xmlns="" xmlns:a14="http://schemas.microsoft.com/office/drawing/2010/main">
+                <a14:hiddenFill xmlns:a14="http://schemas.microsoft.com/office/drawing/2010/main" xmlns="">
                   <a:noFill/>
                 </a14:hiddenFill>
               </a:ext>
@@ -18895,14 +18895,14 @@
             </a:ln>
             <a:extLst>
               <a:ext uri="{909E8E84-426E-40dd-AFC4-6F175D3DCCD1}">
-                <a14:hiddenFill xmlns="" xmlns:a14="http://schemas.microsoft.com/office/drawing/2010/main">
+                <a14:hiddenFill xmlns:a14="http://schemas.microsoft.com/office/drawing/2010/main" xmlns="">
                   <a:solidFill>
                     <a:srgbClr val="FFFFFF"/>
                   </a:solidFill>
                 </a14:hiddenFill>
               </a:ext>
               <a:ext uri="{91240B29-F687-4f45-9708-019B960494DF}">
-                <a14:hiddenLine xmlns="" xmlns:a14="http://schemas.microsoft.com/office/drawing/2010/main" w="9525">
+                <a14:hiddenLine xmlns:a14="http://schemas.microsoft.com/office/drawing/2010/main" xmlns="" w="9525">
                   <a:solidFill>
                     <a:srgbClr val="000000"/>
                   </a:solidFill>
@@ -19115,7 +19115,7 @@
             </a:ln>
             <a:extLst>
               <a:ext uri="{909E8E84-426E-40dd-AFC4-6F175D3DCCD1}">
-                <a14:hiddenFill xmlns="" xmlns:a14="http://schemas.microsoft.com/office/drawing/2010/main">
+                <a14:hiddenFill xmlns:a14="http://schemas.microsoft.com/office/drawing/2010/main" xmlns="">
                   <a:noFill/>
                 </a14:hiddenFill>
               </a:ext>
@@ -19151,14 +19151,14 @@
             </a:ln>
             <a:extLst>
               <a:ext uri="{909E8E84-426E-40dd-AFC4-6F175D3DCCD1}">
-                <a14:hiddenFill xmlns="" xmlns:a14="http://schemas.microsoft.com/office/drawing/2010/main">
+                <a14:hiddenFill xmlns:a14="http://schemas.microsoft.com/office/drawing/2010/main" xmlns="">
                   <a:solidFill>
                     <a:srgbClr val="FFFFFF"/>
                   </a:solidFill>
                 </a14:hiddenFill>
               </a:ext>
               <a:ext uri="{91240B29-F687-4f45-9708-019B960494DF}">
-                <a14:hiddenLine xmlns="" xmlns:a14="http://schemas.microsoft.com/office/drawing/2010/main" w="9525">
+                <a14:hiddenLine xmlns:a14="http://schemas.microsoft.com/office/drawing/2010/main" xmlns="" w="9525">
                   <a:solidFill>
                     <a:srgbClr val="000000"/>
                   </a:solidFill>
@@ -19363,14 +19363,14 @@
           </a:ln>
           <a:extLst>
             <a:ext uri="{909E8E84-426E-40dd-AFC4-6F175D3DCCD1}">
-              <a14:hiddenFill xmlns="" xmlns:a14="http://schemas.microsoft.com/office/drawing/2010/main">
+              <a14:hiddenFill xmlns:a14="http://schemas.microsoft.com/office/drawing/2010/main" xmlns="">
                 <a:solidFill>
                   <a:srgbClr val="FFFFFF"/>
                 </a:solidFill>
               </a14:hiddenFill>
             </a:ext>
             <a:ext uri="{91240B29-F687-4f45-9708-019B960494DF}">
-              <a14:hiddenLine xmlns="" xmlns:a14="http://schemas.microsoft.com/office/drawing/2010/main" w="9525">
+              <a14:hiddenLine xmlns:a14="http://schemas.microsoft.com/office/drawing/2010/main" xmlns="" w="9525">
                 <a:solidFill>
                   <a:srgbClr val="000000"/>
                 </a:solidFill>
@@ -19425,7 +19425,7 @@
             </a:ln>
             <a:extLst>
               <a:ext uri="{909E8E84-426E-40dd-AFC4-6F175D3DCCD1}">
-                <a14:hiddenFill xmlns="" xmlns:a14="http://schemas.microsoft.com/office/drawing/2010/main">
+                <a14:hiddenFill xmlns:a14="http://schemas.microsoft.com/office/drawing/2010/main" xmlns="">
                   <a:noFill/>
                 </a14:hiddenFill>
               </a:ext>
@@ -19461,14 +19461,14 @@
             </a:ln>
             <a:extLst>
               <a:ext uri="{909E8E84-426E-40dd-AFC4-6F175D3DCCD1}">
-                <a14:hiddenFill xmlns="" xmlns:a14="http://schemas.microsoft.com/office/drawing/2010/main">
+                <a14:hiddenFill xmlns:a14="http://schemas.microsoft.com/office/drawing/2010/main" xmlns="">
                   <a:solidFill>
                     <a:srgbClr val="FFFFFF"/>
                   </a:solidFill>
                 </a14:hiddenFill>
               </a:ext>
               <a:ext uri="{91240B29-F687-4f45-9708-019B960494DF}">
-                <a14:hiddenLine xmlns="" xmlns:a14="http://schemas.microsoft.com/office/drawing/2010/main" w="9525">
+                <a14:hiddenLine xmlns:a14="http://schemas.microsoft.com/office/drawing/2010/main" xmlns="" w="9525">
                   <a:solidFill>
                     <a:srgbClr val="000000"/>
                   </a:solidFill>
@@ -19681,7 +19681,7 @@
             </a:ln>
             <a:extLst>
               <a:ext uri="{909E8E84-426E-40dd-AFC4-6F175D3DCCD1}">
-                <a14:hiddenFill xmlns="" xmlns:a14="http://schemas.microsoft.com/office/drawing/2010/main">
+                <a14:hiddenFill xmlns:a14="http://schemas.microsoft.com/office/drawing/2010/main" xmlns="">
                   <a:noFill/>
                 </a14:hiddenFill>
               </a:ext>
@@ -19717,14 +19717,14 @@
             </a:ln>
             <a:extLst>
               <a:ext uri="{909E8E84-426E-40dd-AFC4-6F175D3DCCD1}">
-                <a14:hiddenFill xmlns="" xmlns:a14="http://schemas.microsoft.com/office/drawing/2010/main">
+                <a14:hiddenFill xmlns:a14="http://schemas.microsoft.com/office/drawing/2010/main" xmlns="">
                   <a:solidFill>
                     <a:srgbClr val="FFFFFF"/>
                   </a:solidFill>
                 </a14:hiddenFill>
               </a:ext>
               <a:ext uri="{91240B29-F687-4f45-9708-019B960494DF}">
-                <a14:hiddenLine xmlns="" xmlns:a14="http://schemas.microsoft.com/office/drawing/2010/main" w="9525">
+                <a14:hiddenLine xmlns:a14="http://schemas.microsoft.com/office/drawing/2010/main" xmlns="" w="9525">
                   <a:solidFill>
                     <a:srgbClr val="000000"/>
                   </a:solidFill>
@@ -19929,14 +19929,14 @@
           </a:ln>
           <a:extLst>
             <a:ext uri="{909E8E84-426E-40dd-AFC4-6F175D3DCCD1}">
-              <a14:hiddenFill xmlns="" xmlns:a14="http://schemas.microsoft.com/office/drawing/2010/main">
+              <a14:hiddenFill xmlns:a14="http://schemas.microsoft.com/office/drawing/2010/main" xmlns="">
                 <a:solidFill>
                   <a:srgbClr val="FFFFFF"/>
                 </a:solidFill>
               </a14:hiddenFill>
             </a:ext>
             <a:ext uri="{91240B29-F687-4f45-9708-019B960494DF}">
-              <a14:hiddenLine xmlns="" xmlns:a14="http://schemas.microsoft.com/office/drawing/2010/main" w="9525">
+              <a14:hiddenLine xmlns:a14="http://schemas.microsoft.com/office/drawing/2010/main" xmlns="" w="9525">
                 <a:solidFill>
                   <a:srgbClr val="000000"/>
                 </a:solidFill>
@@ -19999,14 +19999,14 @@
             </a:ln>
             <a:extLst>
               <a:ext uri="{909E8E84-426E-40dd-AFC4-6F175D3DCCD1}">
-                <a14:hiddenFill xmlns="" xmlns:a14="http://schemas.microsoft.com/office/drawing/2010/main">
+                <a14:hiddenFill xmlns:a14="http://schemas.microsoft.com/office/drawing/2010/main" xmlns="">
                   <a:solidFill>
                     <a:srgbClr val="FFFFFF"/>
                   </a:solidFill>
                 </a14:hiddenFill>
               </a:ext>
               <a:ext uri="{91240B29-F687-4f45-9708-019B960494DF}">
-                <a14:hiddenLine xmlns="" xmlns:a14="http://schemas.microsoft.com/office/drawing/2010/main" w="9525">
+                <a14:hiddenLine xmlns:a14="http://schemas.microsoft.com/office/drawing/2010/main" xmlns="" w="9525">
                   <a:solidFill>
                     <a:srgbClr val="000000"/>
                   </a:solidFill>
@@ -20110,7 +20110,7 @@
             </a:ln>
             <a:extLst>
               <a:ext uri="{91240B29-F687-4f45-9708-019B960494DF}">
-                <a14:hiddenLine xmlns="" xmlns:a14="http://schemas.microsoft.com/office/drawing/2010/main" w="9525" cap="flat" cmpd="sng">
+                <a14:hiddenLine xmlns:a14="http://schemas.microsoft.com/office/drawing/2010/main" xmlns="" w="9525" cap="flat" cmpd="sng">
                   <a:solidFill>
                     <a:srgbClr val="000000"/>
                   </a:solidFill>
@@ -20239,7 +20239,7 @@
             </a:ln>
             <a:extLst>
               <a:ext uri="{91240B29-F687-4f45-9708-019B960494DF}">
-                <a14:hiddenLine xmlns="" xmlns:a14="http://schemas.microsoft.com/office/drawing/2010/main" w="9525">
+                <a14:hiddenLine xmlns:a14="http://schemas.microsoft.com/office/drawing/2010/main" xmlns="" w="9525">
                   <a:solidFill>
                     <a:srgbClr val="000000"/>
                   </a:solidFill>
@@ -20290,7 +20290,7 @@
             </a:ln>
             <a:extLst>
               <a:ext uri="{91240B29-F687-4f45-9708-019B960494DF}">
-                <a14:hiddenLine xmlns="" xmlns:a14="http://schemas.microsoft.com/office/drawing/2010/main" w="9525">
+                <a14:hiddenLine xmlns:a14="http://schemas.microsoft.com/office/drawing/2010/main" xmlns="" w="9525">
                   <a:solidFill>
                     <a:srgbClr val="000000"/>
                   </a:solidFill>
@@ -20396,7 +20396,7 @@
             </a:ln>
             <a:extLst>
               <a:ext uri="{91240B29-F687-4f45-9708-019B960494DF}">
-                <a14:hiddenLine xmlns="" xmlns:a14="http://schemas.microsoft.com/office/drawing/2010/main" w="9525">
+                <a14:hiddenLine xmlns:a14="http://schemas.microsoft.com/office/drawing/2010/main" xmlns="" w="9525">
                   <a:solidFill>
                     <a:srgbClr val="000000"/>
                   </a:solidFill>
@@ -20515,7 +20515,7 @@
             </a:ln>
             <a:extLst>
               <a:ext uri="{91240B29-F687-4f45-9708-019B960494DF}">
-                <a14:hiddenLine xmlns="" xmlns:a14="http://schemas.microsoft.com/office/drawing/2010/main" w="9525">
+                <a14:hiddenLine xmlns:a14="http://schemas.microsoft.com/office/drawing/2010/main" xmlns="" w="9525">
                   <a:solidFill>
                     <a:srgbClr val="000000"/>
                   </a:solidFill>
@@ -20612,7 +20612,7 @@
               </a:ln>
               <a:extLst>
                 <a:ext uri="{91240B29-F687-4f45-9708-019B960494DF}">
-                  <a14:hiddenLine xmlns="" xmlns:a14="http://schemas.microsoft.com/office/drawing/2010/main" w="9525">
+                  <a14:hiddenLine xmlns:a14="http://schemas.microsoft.com/office/drawing/2010/main" xmlns="" w="9525">
                     <a:solidFill>
                       <a:srgbClr val="000000"/>
                     </a:solidFill>
@@ -20668,7 +20668,7 @@
               </a:ln>
               <a:extLst>
                 <a:ext uri="{91240B29-F687-4f45-9708-019B960494DF}">
-                  <a14:hiddenLine xmlns="" xmlns:a14="http://schemas.microsoft.com/office/drawing/2010/main" w="9525">
+                  <a14:hiddenLine xmlns:a14="http://schemas.microsoft.com/office/drawing/2010/main" xmlns="" w="9525">
                     <a:solidFill>
                       <a:srgbClr val="000000"/>
                     </a:solidFill>
@@ -20766,7 +20766,7 @@
               </a:ln>
               <a:extLst>
                 <a:ext uri="{91240B29-F687-4f45-9708-019B960494DF}">
-                  <a14:hiddenLine xmlns="" xmlns:a14="http://schemas.microsoft.com/office/drawing/2010/main" w="9525">
+                  <a14:hiddenLine xmlns:a14="http://schemas.microsoft.com/office/drawing/2010/main" xmlns="" w="9525">
                     <a:solidFill>
                       <a:srgbClr val="000000"/>
                     </a:solidFill>
@@ -20822,7 +20822,7 @@
               </a:ln>
               <a:extLst>
                 <a:ext uri="{91240B29-F687-4f45-9708-019B960494DF}">
-                  <a14:hiddenLine xmlns="" xmlns:a14="http://schemas.microsoft.com/office/drawing/2010/main" w="9525">
+                  <a14:hiddenLine xmlns:a14="http://schemas.microsoft.com/office/drawing/2010/main" xmlns="" w="9525">
                     <a:solidFill>
                       <a:srgbClr val="000000"/>
                     </a:solidFill>
@@ -20956,7 +20956,7 @@
               </a:ln>
               <a:extLst>
                 <a:ext uri="{91240B29-F687-4f45-9708-019B960494DF}">
-                  <a14:hiddenLine xmlns="" xmlns:a14="http://schemas.microsoft.com/office/drawing/2010/main" w="9525">
+                  <a14:hiddenLine xmlns:a14="http://schemas.microsoft.com/office/drawing/2010/main" xmlns="" w="9525">
                     <a:solidFill>
                       <a:srgbClr val="000000"/>
                     </a:solidFill>
@@ -21012,7 +21012,7 @@
               </a:ln>
               <a:extLst>
                 <a:ext uri="{91240B29-F687-4f45-9708-019B960494DF}">
-                  <a14:hiddenLine xmlns="" xmlns:a14="http://schemas.microsoft.com/office/drawing/2010/main" w="9525">
+                  <a14:hiddenLine xmlns:a14="http://schemas.microsoft.com/office/drawing/2010/main" xmlns="" w="9525">
                     <a:solidFill>
                       <a:srgbClr val="000000"/>
                     </a:solidFill>
@@ -21132,7 +21132,7 @@
             </a:ln>
             <a:extLst>
               <a:ext uri="{91240B29-F687-4f45-9708-019B960494DF}">
-                <a14:hiddenLine xmlns="" xmlns:a14="http://schemas.microsoft.com/office/drawing/2010/main" w="9525">
+                <a14:hiddenLine xmlns:a14="http://schemas.microsoft.com/office/drawing/2010/main" xmlns="" w="9525">
                   <a:solidFill>
                     <a:srgbClr val="000000"/>
                   </a:solidFill>
@@ -21193,7 +21193,7 @@
               </a:ln>
               <a:extLst>
                 <a:ext uri="{91240B29-F687-4f45-9708-019B960494DF}">
-                  <a14:hiddenLine xmlns="" xmlns:a14="http://schemas.microsoft.com/office/drawing/2010/main" w="9525">
+                  <a14:hiddenLine xmlns:a14="http://schemas.microsoft.com/office/drawing/2010/main" xmlns="" w="9525">
                     <a:solidFill>
                       <a:srgbClr val="000000"/>
                     </a:solidFill>
@@ -21249,7 +21249,7 @@
               </a:ln>
               <a:extLst>
                 <a:ext uri="{91240B29-F687-4f45-9708-019B960494DF}">
-                  <a14:hiddenLine xmlns="" xmlns:a14="http://schemas.microsoft.com/office/drawing/2010/main" w="9525">
+                  <a14:hiddenLine xmlns:a14="http://schemas.microsoft.com/office/drawing/2010/main" xmlns="" w="9525">
                     <a:solidFill>
                       <a:srgbClr val="000000"/>
                     </a:solidFill>
@@ -21416,7 +21416,7 @@
             </a:ln>
             <a:extLst>
               <a:ext uri="{91240B29-F687-4f45-9708-019B960494DF}">
-                <a14:hiddenLine xmlns="" xmlns:a14="http://schemas.microsoft.com/office/drawing/2010/main" w="9525">
+                <a14:hiddenLine xmlns:a14="http://schemas.microsoft.com/office/drawing/2010/main" xmlns="" w="9525">
                   <a:solidFill>
                     <a:srgbClr val="000000"/>
                   </a:solidFill>
@@ -21535,7 +21535,7 @@
             </a:ln>
             <a:extLst>
               <a:ext uri="{91240B29-F687-4f45-9708-019B960494DF}">
-                <a14:hiddenLine xmlns="" xmlns:a14="http://schemas.microsoft.com/office/drawing/2010/main" w="9525">
+                <a14:hiddenLine xmlns:a14="http://schemas.microsoft.com/office/drawing/2010/main" xmlns="" w="9525">
                   <a:solidFill>
                     <a:srgbClr val="000000"/>
                   </a:solidFill>
@@ -21578,7 +21578,7 @@
             </a:ln>
             <a:extLst>
               <a:ext uri="{91240B29-F687-4f45-9708-019B960494DF}">
-                <a14:hiddenLine xmlns="" xmlns:a14="http://schemas.microsoft.com/office/drawing/2010/main" w="9525">
+                <a14:hiddenLine xmlns:a14="http://schemas.microsoft.com/office/drawing/2010/main" xmlns="" w="9525">
                   <a:solidFill>
                     <a:srgbClr val="000000"/>
                   </a:solidFill>
@@ -21681,7 +21681,7 @@
             </a:ln>
             <a:extLst>
               <a:ext uri="{91240B29-F687-4f45-9708-019B960494DF}">
-                <a14:hiddenLine xmlns="" xmlns:a14="http://schemas.microsoft.com/office/drawing/2010/main" w="9525">
+                <a14:hiddenLine xmlns:a14="http://schemas.microsoft.com/office/drawing/2010/main" xmlns="" w="9525">
                   <a:solidFill>
                     <a:srgbClr val="000000"/>
                   </a:solidFill>
@@ -21808,7 +21808,7 @@
             </a:ln>
             <a:extLst>
               <a:ext uri="{91240B29-F687-4f45-9708-019B960494DF}">
-                <a14:hiddenLine xmlns="" xmlns:a14="http://schemas.microsoft.com/office/drawing/2010/main" w="9525">
+                <a14:hiddenLine xmlns:a14="http://schemas.microsoft.com/office/drawing/2010/main" xmlns="" w="9525">
                   <a:solidFill>
                     <a:srgbClr val="000000"/>
                   </a:solidFill>
@@ -21851,7 +21851,7 @@
             </a:ln>
             <a:extLst>
               <a:ext uri="{91240B29-F687-4f45-9708-019B960494DF}">
-                <a14:hiddenLine xmlns="" xmlns:a14="http://schemas.microsoft.com/office/drawing/2010/main" w="9525">
+                <a14:hiddenLine xmlns:a14="http://schemas.microsoft.com/office/drawing/2010/main" xmlns="" w="9525">
                   <a:solidFill>
                     <a:srgbClr val="000000"/>
                   </a:solidFill>
@@ -21908,7 +21908,7 @@
             </a:ln>
             <a:extLst>
               <a:ext uri="{91240B29-F687-4f45-9708-019B960494DF}">
-                <a14:hiddenLine xmlns="" xmlns:a14="http://schemas.microsoft.com/office/drawing/2010/main" w="9525">
+                <a14:hiddenLine xmlns:a14="http://schemas.microsoft.com/office/drawing/2010/main" xmlns="" w="9525">
                   <a:solidFill>
                     <a:srgbClr val="000000"/>
                   </a:solidFill>
@@ -22113,7 +22113,7 @@
         </p:nvSpPr>
         <p:spPr bwMode="auto">
           <a:xfrm>
-            <a:off x="4781550" y="3400425"/>
+            <a:off x="5029200" y="3429836"/>
             <a:ext cx="3838575" cy="2711450"/>
           </a:xfrm>
           <a:prstGeom prst="rect">
@@ -22165,7 +22165,7 @@
           </a:ln>
           <a:extLst>
             <a:ext uri="{91240B29-F687-4f45-9708-019B960494DF}">
-              <a14:hiddenLine xmlns="" xmlns:a14="http://schemas.microsoft.com/office/drawing/2010/main" w="9525">
+              <a14:hiddenLine xmlns:a14="http://schemas.microsoft.com/office/drawing/2010/main" xmlns="" w="9525">
                 <a:solidFill>
                   <a:srgbClr val="000000"/>
                 </a:solidFill>
@@ -22207,7 +22207,7 @@
           <a:lstStyle/>
           <a:p>
             <a:r>
-              <a:rPr lang="en-US">
+              <a:rPr lang="en-US" dirty="0">
                 <a:latin typeface="Gill Sans MT" charset="0"/>
               </a:rPr>
               <a:t>HTTP overview (continued)</a:t>
@@ -22240,7 +22240,7 @@
               <a:buNone/>
             </a:pPr>
             <a:r>
-              <a:rPr lang="en-US" i="1">
+              <a:rPr lang="en-US" i="1" dirty="0">
                 <a:solidFill>
                   <a:srgbClr val="CC0000"/>
                 </a:solidFill>
@@ -22251,7 +22251,7 @@
           </a:p>
           <a:p>
             <a:r>
-              <a:rPr lang="en-US" sz="2400">
+              <a:rPr lang="en-US" sz="2400" dirty="0">
                 <a:latin typeface="Gill Sans MT" charset="0"/>
               </a:rPr>
               <a:t>client initiates TCP connection (creates socket) to server,  port 80</a:t>
@@ -22259,7 +22259,7 @@
           </a:p>
           <a:p>
             <a:r>
-              <a:rPr lang="en-US" sz="2400">
+              <a:rPr lang="en-US" sz="2400" dirty="0">
                 <a:latin typeface="Gill Sans MT" charset="0"/>
               </a:rPr>
               <a:t>server accepts TCP connection from client</a:t>
@@ -22267,7 +22267,7 @@
           </a:p>
           <a:p>
             <a:r>
-              <a:rPr lang="en-US" sz="2400">
+              <a:rPr lang="en-US" sz="2400" dirty="0">
                 <a:latin typeface="Gill Sans MT" charset="0"/>
               </a:rPr>
               <a:t>HTTP messages (application-layer protocol messages) exchanged between browser (HTTP client) and Web server (HTTP server)</a:t>
@@ -22275,12 +22275,12 @@
           </a:p>
           <a:p>
             <a:r>
-              <a:rPr lang="en-US" sz="2400">
+              <a:rPr lang="en-US" sz="2400" dirty="0">
                 <a:latin typeface="Gill Sans MT" charset="0"/>
               </a:rPr>
               <a:t>TCP connection closed</a:t>
             </a:r>
-            <a:endParaRPr lang="en-US">
+            <a:endParaRPr lang="en-US" dirty="0">
               <a:latin typeface="Gill Sans MT" charset="0"/>
             </a:endParaRPr>
           </a:p>
@@ -22314,7 +22314,7 @@
               <a:buNone/>
             </a:pPr>
             <a:r>
-              <a:rPr lang="en-US" i="1">
+              <a:rPr lang="en-US" i="1" dirty="0">
                 <a:solidFill>
                   <a:srgbClr val="CC0000"/>
                 </a:solidFill>
@@ -22332,7 +22332,7 @@
               <a:t>“</a:t>
             </a:r>
             <a:r>
-              <a:rPr lang="en-US" altLang="ja-JP" i="1">
+              <a:rPr lang="en-US" altLang="ja-JP" i="1" dirty="0">
                 <a:solidFill>
                   <a:srgbClr val="CC0000"/>
                 </a:solidFill>
@@ -22349,7 +22349,7 @@
               </a:rPr>
               <a:t>”</a:t>
             </a:r>
-            <a:endParaRPr lang="en-US" altLang="ja-JP" i="1">
+            <a:endParaRPr lang="en-US" altLang="ja-JP" i="1" dirty="0">
               <a:solidFill>
                 <a:srgbClr val="CC0000"/>
               </a:solidFill>
@@ -22363,7 +22363,7 @@
               </a:lnSpc>
             </a:pPr>
             <a:r>
-              <a:rPr lang="en-US" sz="2400">
+              <a:rPr lang="en-US" sz="2400" dirty="0">
                 <a:latin typeface="Gill Sans MT" charset="0"/>
               </a:rPr>
               <a:t>server maintains no information about past client requests</a:t>
@@ -22393,14 +22393,14 @@
           </a:ln>
           <a:extLst>
             <a:ext uri="{909E8E84-426E-40dd-AFC4-6F175D3DCCD1}">
-              <a14:hiddenFill xmlns="" xmlns:a14="http://schemas.microsoft.com/office/drawing/2010/main">
+              <a14:hiddenFill xmlns:a14="http://schemas.microsoft.com/office/drawing/2010/main" xmlns="">
                 <a:solidFill>
                   <a:srgbClr val="FFFFFF"/>
                 </a:solidFill>
               </a14:hiddenFill>
             </a:ext>
             <a:ext uri="{91240B29-F687-4f45-9708-019B960494DF}">
-              <a14:hiddenLine xmlns="" xmlns:a14="http://schemas.microsoft.com/office/drawing/2010/main" w="9525">
+              <a14:hiddenLine xmlns:a14="http://schemas.microsoft.com/office/drawing/2010/main" xmlns="" w="9525">
                 <a:solidFill>
                   <a:srgbClr val="000000"/>
                 </a:solidFill>
@@ -22421,7 +22421,7 @@
               </a:lnSpc>
             </a:pPr>
             <a:r>
-              <a:rPr lang="en-US" sz="2400">
+              <a:rPr lang="en-US" sz="2400" dirty="0">
                 <a:solidFill>
                   <a:srgbClr val="000099"/>
                 </a:solidFill>
@@ -22439,7 +22439,7 @@
               <a:t>“</a:t>
             </a:r>
             <a:r>
-              <a:rPr lang="en-US" altLang="ja-JP" sz="2400">
+              <a:rPr lang="en-US" altLang="ja-JP" sz="2400" dirty="0">
                 <a:solidFill>
                   <a:srgbClr val="000099"/>
                 </a:solidFill>
@@ -22457,7 +22457,7 @@
               <a:t>”</a:t>
             </a:r>
             <a:r>
-              <a:rPr lang="en-US" altLang="ja-JP" sz="2400">
+              <a:rPr lang="en-US" altLang="ja-JP" sz="2400" dirty="0">
                 <a:solidFill>
                   <a:srgbClr val="000099"/>
                 </a:solidFill>
@@ -22479,7 +22479,7 @@
               <a:buChar char="v"/>
             </a:pPr>
             <a:r>
-              <a:rPr lang="en-US">
+              <a:rPr lang="en-US" dirty="0">
                 <a:latin typeface="Gill Sans MT" charset="0"/>
               </a:rPr>
               <a:t>past history (state) must be maintained</a:t>
@@ -22498,7 +22498,7 @@
               <a:buChar char="v"/>
             </a:pPr>
             <a:r>
-              <a:rPr lang="en-US">
+              <a:rPr lang="en-US" dirty="0">
                 <a:latin typeface="Gill Sans MT" charset="0"/>
               </a:rPr>
               <a:t>if server/client crashes, their views of </a:t>
@@ -22510,7 +22510,7 @@
               <a:t>“</a:t>
             </a:r>
             <a:r>
-              <a:rPr lang="en-US" altLang="ja-JP">
+              <a:rPr lang="en-US" altLang="ja-JP" dirty="0">
                 <a:latin typeface="Gill Sans MT" charset="0"/>
               </a:rPr>
               <a:t>state</a:t>
@@ -22522,7 +22522,7 @@
               <a:t>”</a:t>
             </a:r>
             <a:r>
-              <a:rPr lang="en-US" altLang="ja-JP">
+              <a:rPr lang="en-US" altLang="ja-JP" dirty="0">
                 <a:latin typeface="Gill Sans MT" charset="0"/>
               </a:rPr>
               <a:t> may be inconsistent, must be reconciled</a:t>
@@ -22533,7 +22533,7 @@
               <a:buFont typeface="ZapfDingbats" charset="0"/>
               <a:buChar char="r"/>
             </a:pPr>
-            <a:endParaRPr lang="en-US">
+            <a:endParaRPr lang="en-US" dirty="0">
               <a:latin typeface="Gill Sans MT" charset="0"/>
             </a:endParaRPr>
           </a:p>
@@ -22561,14 +22561,14 @@
           </a:ln>
           <a:extLst>
             <a:ext uri="{909E8E84-426E-40dd-AFC4-6F175D3DCCD1}">
-              <a14:hiddenFill xmlns="" xmlns:a14="http://schemas.microsoft.com/office/drawing/2010/main">
+              <a14:hiddenFill xmlns:a14="http://schemas.microsoft.com/office/drawing/2010/main" xmlns="">
                 <a:solidFill>
                   <a:srgbClr val="FFFFFF"/>
                 </a:solidFill>
               </a14:hiddenFill>
             </a:ext>
             <a:ext uri="{91240B29-F687-4f45-9708-019B960494DF}">
-              <a14:hiddenLine xmlns="" xmlns:a14="http://schemas.microsoft.com/office/drawing/2010/main" w="9525">
+              <a14:hiddenLine xmlns:a14="http://schemas.microsoft.com/office/drawing/2010/main" xmlns="" w="9525">
                 <a:solidFill>
                   <a:srgbClr val="000000"/>
                 </a:solidFill>
@@ -22768,14 +22768,14 @@
           </a:ln>
           <a:extLst>
             <a:ext uri="{909E8E84-426E-40dd-AFC4-6F175D3DCCD1}">
-              <a14:hiddenFill xmlns="" xmlns:a14="http://schemas.microsoft.com/office/drawing/2010/main">
+              <a14:hiddenFill xmlns:a14="http://schemas.microsoft.com/office/drawing/2010/main" xmlns="">
                 <a:solidFill>
                   <a:srgbClr val="FFFFFF"/>
                 </a:solidFill>
               </a14:hiddenFill>
             </a:ext>
             <a:ext uri="{91240B29-F687-4f45-9708-019B960494DF}">
-              <a14:hiddenLine xmlns="" xmlns:a14="http://schemas.microsoft.com/office/drawing/2010/main" w="9525">
+              <a14:hiddenLine xmlns:a14="http://schemas.microsoft.com/office/drawing/2010/main" xmlns="" w="9525">
                 <a:solidFill>
                   <a:srgbClr val="000000"/>
                 </a:solidFill>
@@ -23750,7 +23750,7 @@
         <a:effectLst/>
         <a:extLst>
           <a:ext uri="{AF507438-7753-43e0-B8FC-AC1667EBCBE1}">
-            <a14:hiddenEffects xmlns="" xmlns:a14="http://schemas.microsoft.com/office/drawing/2010/main">
+            <a14:hiddenEffects xmlns:a14="http://schemas.microsoft.com/office/drawing/2010/main" xmlns="">
               <a:effectLst>
                 <a:outerShdw dist="35921" dir="2700000" algn="ctr" rotWithShape="0">
                   <a:schemeClr val="bg2"/>
@@ -23811,7 +23811,7 @@
         <a:effectLst/>
         <a:extLst>
           <a:ext uri="{AF507438-7753-43e0-B8FC-AC1667EBCBE1}">
-            <a14:hiddenEffects xmlns="" xmlns:a14="http://schemas.microsoft.com/office/drawing/2010/main">
+            <a14:hiddenEffects xmlns:a14="http://schemas.microsoft.com/office/drawing/2010/main" xmlns="">
               <a:effectLst>
                 <a:outerShdw dist="35921" dir="2700000" algn="ctr" rotWithShape="0">
                   <a:schemeClr val="bg2"/>
